--- a/doc/2018-inu-kotlin-03.pptx
+++ b/doc/2018-inu-kotlin-03.pptx
@@ -44,14 +44,14 @@
       <p:bold r:id="rId28"/>
     </p:embeddedFont>
     <p:embeddedFont>
+      <p:font typeface="맑은 고딕" panose="020B0503020000020004" pitchFamily="50" charset="-127"/>
+      <p:regular r:id="rId27"/>
+      <p:bold r:id="rId28"/>
+    </p:embeddedFont>
+    <p:embeddedFont>
       <p:font typeface="나눔고딕" panose="020D0604000000000000" pitchFamily="50" charset="-127"/>
       <p:regular r:id="rId29"/>
       <p:bold r:id="rId30"/>
-    </p:embeddedFont>
-    <p:embeddedFont>
-      <p:font typeface="맑은 고딕" panose="020B0503020000020004" pitchFamily="50" charset="-127"/>
-      <p:regular r:id="rId27"/>
-      <p:bold r:id="rId28"/>
     </p:embeddedFont>
   </p:embeddedFontLst>
   <p:defaultTextStyle>
@@ -335,7 +335,7 @@
             <a:fld id="{207F23D9-DF40-4811-9C78-A2E2A32398DD}" type="datetimeFigureOut">
               <a:rPr lang="ko-KR" altLang="en-US" smtClean="0"/>
               <a:pPr/>
-              <a:t>2018-07-03</a:t>
+              <a:t>2018-07-04</a:t>
             </a:fld>
             <a:endParaRPr lang="ko-KR" altLang="en-US"/>
           </a:p>
@@ -502,7 +502,7 @@
             <a:fld id="{F3AF6795-A612-454E-AF7A-9192B1BEBB13}" type="datetimeFigureOut">
               <a:rPr lang="ko-KR" altLang="en-US" smtClean="0"/>
               <a:pPr/>
-              <a:t>2018-07-03</a:t>
+              <a:t>2018-07-04</a:t>
             </a:fld>
             <a:endParaRPr lang="ko-KR" altLang="en-US"/>
           </a:p>
@@ -3232,7 +3232,7 @@
             <a:fld id="{8761FD00-3F21-42CF-9EF5-8F6D81CE3AFD}" type="datetimeFigureOut">
               <a:rPr lang="ko-KR" altLang="en-US" smtClean="0"/>
               <a:pPr/>
-              <a:t>2018-07-03</a:t>
+              <a:t>2018-07-04</a:t>
             </a:fld>
             <a:endParaRPr lang="ko-KR" altLang="en-US"/>
           </a:p>
@@ -3978,7 +3978,7 @@
             <a:fld id="{8761FD00-3F21-42CF-9EF5-8F6D81CE3AFD}" type="datetimeFigureOut">
               <a:rPr lang="ko-KR" altLang="en-US" smtClean="0"/>
               <a:pPr/>
-              <a:t>2018-07-03</a:t>
+              <a:t>2018-07-04</a:t>
             </a:fld>
             <a:endParaRPr lang="ko-KR" altLang="en-US"/>
           </a:p>
@@ -4298,7 +4298,7 @@
             <a:fld id="{8761FD00-3F21-42CF-9EF5-8F6D81CE3AFD}" type="datetimeFigureOut">
               <a:rPr lang="ko-KR" altLang="en-US" smtClean="0"/>
               <a:pPr/>
-              <a:t>2018-07-03</a:t>
+              <a:t>2018-07-04</a:t>
             </a:fld>
             <a:endParaRPr lang="ko-KR" altLang="en-US"/>
           </a:p>
@@ -4560,7 +4560,7 @@
             <a:fld id="{8761FD00-3F21-42CF-9EF5-8F6D81CE3AFD}" type="datetimeFigureOut">
               <a:rPr lang="ko-KR" altLang="en-US" smtClean="0"/>
               <a:pPr/>
-              <a:t>2018-07-03</a:t>
+              <a:t>2018-07-04</a:t>
             </a:fld>
             <a:endParaRPr lang="ko-KR" altLang="en-US"/>
           </a:p>
@@ -4793,7 +4793,7 @@
             <a:fld id="{8761FD00-3F21-42CF-9EF5-8F6D81CE3AFD}" type="datetimeFigureOut">
               <a:rPr lang="ko-KR" altLang="en-US" smtClean="0"/>
               <a:pPr/>
-              <a:t>2018-07-03</a:t>
+              <a:t>2018-07-04</a:t>
             </a:fld>
             <a:endParaRPr lang="ko-KR" altLang="en-US"/>
           </a:p>
@@ -5026,7 +5026,7 @@
             <a:fld id="{8761FD00-3F21-42CF-9EF5-8F6D81CE3AFD}" type="datetimeFigureOut">
               <a:rPr lang="ko-KR" altLang="en-US" smtClean="0"/>
               <a:pPr/>
-              <a:t>2018-07-03</a:t>
+              <a:t>2018-07-04</a:t>
             </a:fld>
             <a:endParaRPr lang="ko-KR" altLang="en-US"/>
           </a:p>
@@ -6808,13 +6808,13 @@
               <a:t>가 아니라 </a:t>
             </a:r>
             <a:r>
-              <a:rPr lang="en-US" altLang="ko-KR" sz="1400" dirty="0" err="1" smtClean="0">
+              <a:rPr lang="en-US" altLang="ko-KR" sz="1400" smtClean="0">
                 <a:solidFill>
                   <a:srgbClr val="4D5256"/>
                 </a:solidFill>
                 <a:latin typeface="+mn-ea"/>
               </a:rPr>
-              <a:t>Uint</a:t>
+              <a:t>Unit</a:t>
             </a:r>
             <a:endParaRPr lang="en-US" altLang="ko-KR" sz="1400" dirty="0" smtClean="0">
               <a:solidFill>
@@ -13672,19 +13672,7 @@
                 <a:latin typeface="+mn-ea"/>
                 <a:ea typeface="+mn-ea"/>
               </a:rPr>
-              <a:t> – </a:t>
-            </a:r>
-            <a:r>
-              <a:rPr lang="en-US" altLang="ko-KR" sz="3200" b="1" spc="-150" dirty="0" smtClean="0">
-                <a:solidFill>
-                  <a:schemeClr val="accent4">
-                    <a:lumMod val="50000"/>
-                  </a:schemeClr>
-                </a:solidFill>
-                <a:latin typeface="+mn-ea"/>
-                <a:ea typeface="+mn-ea"/>
-              </a:rPr>
-              <a:t>it, _</a:t>
+              <a:t> – it, _</a:t>
             </a:r>
             <a:endParaRPr lang="ko-KR" altLang="en-US" sz="3200" b="1" spc="-150" dirty="0">
               <a:solidFill>
@@ -13927,11 +13915,7 @@
             </a:r>
             <a:r>
               <a:rPr lang="ko-KR" altLang="en-US" dirty="0" smtClean="0"/>
-              <a:t> </a:t>
-            </a:r>
-            <a:r>
-              <a:rPr lang="ko-KR" altLang="en-US" dirty="0" smtClean="0"/>
-              <a:t>인자가 하나일 경우 생략가능</a:t>
+              <a:t> 인자가 하나일 경우 생략가능</a:t>
             </a:r>
             <a:endParaRPr lang="en-US" altLang="ko-KR" dirty="0" smtClean="0"/>
           </a:p>
@@ -13956,7 +13940,6 @@
               <a:rPr lang="en-US" altLang="ko-KR" dirty="0" smtClean="0"/>
               <a:t>. </a:t>
             </a:r>
-            <a:endParaRPr lang="en-US" altLang="ko-KR" dirty="0" smtClean="0"/>
           </a:p>
           <a:p>
             <a:pPr marL="285750" indent="-285750">
@@ -14167,19 +14150,7 @@
                 <a:latin typeface="+mn-ea"/>
                 <a:ea typeface="+mn-ea"/>
               </a:rPr>
-              <a:t> – </a:t>
-            </a:r>
-            <a:r>
-              <a:rPr lang="en-US" altLang="ko-KR" sz="3200" b="1" spc="-150" dirty="0" smtClean="0">
-                <a:solidFill>
-                  <a:schemeClr val="accent4">
-                    <a:lumMod val="50000"/>
-                  </a:schemeClr>
-                </a:solidFill>
-                <a:latin typeface="+mn-ea"/>
-                <a:ea typeface="+mn-ea"/>
-              </a:rPr>
-              <a:t>inline</a:t>
+              <a:t> – inline</a:t>
             </a:r>
             <a:endParaRPr lang="ko-KR" altLang="en-US" sz="3200" b="1" spc="-150" dirty="0">
               <a:solidFill>
@@ -14893,19 +14864,7 @@
                 <a:latin typeface="+mn-ea"/>
                 <a:ea typeface="+mn-ea"/>
               </a:rPr>
-              <a:t> – </a:t>
-            </a:r>
-            <a:r>
-              <a:rPr lang="en-US" altLang="ko-KR" sz="3200" b="1" spc="-150" dirty="0" smtClean="0">
-                <a:solidFill>
-                  <a:schemeClr val="accent4">
-                    <a:lumMod val="50000"/>
-                  </a:schemeClr>
-                </a:solidFill>
-                <a:latin typeface="+mn-ea"/>
-                <a:ea typeface="+mn-ea"/>
-              </a:rPr>
-              <a:t>inline</a:t>
+              <a:t> – inline</a:t>
             </a:r>
             <a:endParaRPr lang="ko-KR" altLang="en-US" sz="3200" b="1" spc="-150" dirty="0">
               <a:solidFill>
@@ -17329,19 +17288,7 @@
                 <a:latin typeface="+mn-ea"/>
                 <a:ea typeface="+mn-ea"/>
               </a:rPr>
-              <a:t> – SAM (Single Abstract Method</a:t>
-            </a:r>
-            <a:r>
-              <a:rPr lang="en-US" altLang="ko-KR" sz="3200" b="1" spc="-150" dirty="0" smtClean="0">
-                <a:solidFill>
-                  <a:schemeClr val="accent4">
-                    <a:lumMod val="50000"/>
-                  </a:schemeClr>
-                </a:solidFill>
-                <a:latin typeface="+mn-ea"/>
-                <a:ea typeface="+mn-ea"/>
-              </a:rPr>
-              <a:t>) </a:t>
+              <a:t> – SAM (Single Abstract Method) </a:t>
             </a:r>
             <a:r>
               <a:rPr lang="ko-KR" altLang="en-US" sz="3200" b="1" spc="-150" dirty="0" smtClean="0">
@@ -19663,19 +19610,7 @@
                 <a:latin typeface="+mn-ea"/>
                 <a:ea typeface="+mn-ea"/>
               </a:rPr>
-              <a:t> – </a:t>
-            </a:r>
-            <a:r>
-              <a:rPr lang="en-US" altLang="ko-KR" sz="3200" b="1" spc="-150" dirty="0" smtClean="0">
-                <a:solidFill>
-                  <a:schemeClr val="accent4">
-                    <a:lumMod val="50000"/>
-                  </a:schemeClr>
-                </a:solidFill>
-                <a:latin typeface="+mn-ea"/>
-                <a:ea typeface="+mn-ea"/>
-              </a:rPr>
-              <a:t>stream or sequence</a:t>
+              <a:t> – stream or sequence</a:t>
             </a:r>
             <a:endParaRPr lang="ko-KR" altLang="en-US" sz="3200" b="1" spc="-150" dirty="0">
               <a:solidFill>
@@ -26526,19 +26461,7 @@
                 <a:latin typeface="+mn-ea"/>
                 <a:ea typeface="+mn-ea"/>
               </a:rPr>
-              <a:t> – standard </a:t>
-            </a:r>
-            <a:r>
-              <a:rPr lang="en-US" altLang="ko-KR" sz="3200" b="1" spc="-150" dirty="0" smtClean="0">
-                <a:solidFill>
-                  <a:schemeClr val="accent4">
-                    <a:lumMod val="50000"/>
-                  </a:schemeClr>
-                </a:solidFill>
-                <a:latin typeface="+mn-ea"/>
-                <a:ea typeface="+mn-ea"/>
-              </a:rPr>
-              <a:t>function</a:t>
+              <a:t> – standard function</a:t>
             </a:r>
             <a:endParaRPr lang="ko-KR" altLang="en-US" sz="3200" b="1" spc="-150" dirty="0">
               <a:solidFill>
@@ -31646,53 +31569,38 @@
               <a:rPr lang="ko-KR" altLang="en-US" dirty="0" smtClean="0">
                 <a:latin typeface="+mn-ea"/>
               </a:rPr>
-              <a:t>순수함수를 </a:t>
+              <a:t>순수함수를 지향 </a:t>
+            </a:r>
+            <a:r>
+              <a:rPr lang="en-US" altLang="ko-KR" dirty="0" smtClean="0">
+                <a:latin typeface="+mn-ea"/>
+              </a:rPr>
+              <a:t>(</a:t>
             </a:r>
             <a:r>
               <a:rPr lang="ko-KR" altLang="en-US" dirty="0" smtClean="0">
                 <a:latin typeface="+mn-ea"/>
               </a:rPr>
-              <a:t>지향 </a:t>
+              <a:t>부작용이 없고</a:t>
             </a:r>
             <a:r>
               <a:rPr lang="en-US" altLang="ko-KR" dirty="0" smtClean="0">
                 <a:latin typeface="+mn-ea"/>
               </a:rPr>
-              <a:t>(</a:t>
+              <a:t>, </a:t>
             </a:r>
             <a:r>
               <a:rPr lang="ko-KR" altLang="en-US" dirty="0" smtClean="0">
                 <a:latin typeface="+mn-ea"/>
               </a:rPr>
-              <a:t>부작용이 없고</a:t>
+              <a:t>입력이 같으면 항상 출력이 보장되는 함수</a:t>
             </a:r>
             <a:r>
               <a:rPr lang="en-US" altLang="ko-KR" dirty="0" smtClean="0">
                 <a:latin typeface="+mn-ea"/>
               </a:rPr>
-              <a:t>, </a:t>
-            </a:r>
-            <a:r>
-              <a:rPr lang="ko-KR" altLang="en-US" dirty="0" smtClean="0">
-                <a:latin typeface="+mn-ea"/>
-              </a:rPr>
-              <a:t>입력이 같으면 항상 출력이 </a:t>
-            </a:r>
-            <a:r>
-              <a:rPr lang="ko-KR" altLang="en-US" dirty="0" smtClean="0">
-                <a:latin typeface="+mn-ea"/>
-              </a:rPr>
-              <a:t>보장되는 함수</a:t>
-            </a:r>
-            <a:r>
-              <a:rPr lang="en-US" altLang="ko-KR" dirty="0" smtClean="0">
-                <a:latin typeface="+mn-ea"/>
-              </a:rPr>
               <a:t>)</a:t>
             </a:r>
-            <a:endParaRPr lang="en-US" altLang="ko-KR" dirty="0" smtClean="0">
-              <a:latin typeface="+mn-ea"/>
-            </a:endParaRPr>
           </a:p>
           <a:p>
             <a:pPr marL="742950" lvl="1" indent="-285750">
@@ -34190,16 +34098,7 @@
                 </a:solidFill>
                 <a:latin typeface="+mn-ea"/>
               </a:rPr>
-              <a:t>함수 </a:t>
-            </a:r>
-            <a:r>
-              <a:rPr lang="ko-KR" altLang="en-US" dirty="0" smtClean="0">
-                <a:solidFill>
-                  <a:srgbClr val="4D5256"/>
-                </a:solidFill>
-                <a:latin typeface="+mn-ea"/>
-              </a:rPr>
-              <a:t>타입은 변수</a:t>
+              <a:t>함수 타입은 변수</a:t>
             </a:r>
             <a:r>
               <a:rPr lang="en-US" altLang="ko-KR" dirty="0" smtClean="0">
